--- a/Presentation/Noise2Void demo.pptx
+++ b/Presentation/Noise2Void demo.pptx
@@ -107,6 +107,11 @@
       </a:defRPr>
     </a:lvl9pPr>
   </p:defaultTextStyle>
+  <p:extLst>
+    <p:ext uri="{EFAFB233-063F-42B5-8137-9DF3F51BA10A}">
+      <p15:sldGuideLst xmlns:p15="http://schemas.microsoft.com/office/powerpoint/2012/main"/>
+    </p:ext>
+  </p:extLst>
 </p:presentation>
 </file>
 
@@ -257,7 +262,7 @@
           <a:p>
             <a:fld id="{A17273AD-5A37-43D7-8081-6EE33BE15FD9}" type="datetimeFigureOut">
               <a:rPr lang="en-US" smtClean="0"/>
-              <a:t>1/5/2024</a:t>
+              <a:t>1/9/2024</a:t>
             </a:fld>
             <a:endParaRPr lang="en-US"/>
           </a:p>
@@ -455,7 +460,7 @@
           <a:p>
             <a:fld id="{A17273AD-5A37-43D7-8081-6EE33BE15FD9}" type="datetimeFigureOut">
               <a:rPr lang="en-US" smtClean="0"/>
-              <a:t>1/5/2024</a:t>
+              <a:t>1/9/2024</a:t>
             </a:fld>
             <a:endParaRPr lang="en-US"/>
           </a:p>
@@ -663,7 +668,7 @@
           <a:p>
             <a:fld id="{A17273AD-5A37-43D7-8081-6EE33BE15FD9}" type="datetimeFigureOut">
               <a:rPr lang="en-US" smtClean="0"/>
-              <a:t>1/5/2024</a:t>
+              <a:t>1/9/2024</a:t>
             </a:fld>
             <a:endParaRPr lang="en-US"/>
           </a:p>
@@ -861,7 +866,7 @@
           <a:p>
             <a:fld id="{A17273AD-5A37-43D7-8081-6EE33BE15FD9}" type="datetimeFigureOut">
               <a:rPr lang="en-US" smtClean="0"/>
-              <a:t>1/5/2024</a:t>
+              <a:t>1/9/2024</a:t>
             </a:fld>
             <a:endParaRPr lang="en-US"/>
           </a:p>
@@ -1136,7 +1141,7 @@
           <a:p>
             <a:fld id="{A17273AD-5A37-43D7-8081-6EE33BE15FD9}" type="datetimeFigureOut">
               <a:rPr lang="en-US" smtClean="0"/>
-              <a:t>1/5/2024</a:t>
+              <a:t>1/9/2024</a:t>
             </a:fld>
             <a:endParaRPr lang="en-US"/>
           </a:p>
@@ -1401,7 +1406,7 @@
           <a:p>
             <a:fld id="{A17273AD-5A37-43D7-8081-6EE33BE15FD9}" type="datetimeFigureOut">
               <a:rPr lang="en-US" smtClean="0"/>
-              <a:t>1/5/2024</a:t>
+              <a:t>1/9/2024</a:t>
             </a:fld>
             <a:endParaRPr lang="en-US"/>
           </a:p>
@@ -1813,7 +1818,7 @@
           <a:p>
             <a:fld id="{A17273AD-5A37-43D7-8081-6EE33BE15FD9}" type="datetimeFigureOut">
               <a:rPr lang="en-US" smtClean="0"/>
-              <a:t>1/5/2024</a:t>
+              <a:t>1/9/2024</a:t>
             </a:fld>
             <a:endParaRPr lang="en-US"/>
           </a:p>
@@ -1954,7 +1959,7 @@
           <a:p>
             <a:fld id="{A17273AD-5A37-43D7-8081-6EE33BE15FD9}" type="datetimeFigureOut">
               <a:rPr lang="en-US" smtClean="0"/>
-              <a:t>1/5/2024</a:t>
+              <a:t>1/9/2024</a:t>
             </a:fld>
             <a:endParaRPr lang="en-US"/>
           </a:p>
@@ -2067,7 +2072,7 @@
           <a:p>
             <a:fld id="{A17273AD-5A37-43D7-8081-6EE33BE15FD9}" type="datetimeFigureOut">
               <a:rPr lang="en-US" smtClean="0"/>
-              <a:t>1/5/2024</a:t>
+              <a:t>1/9/2024</a:t>
             </a:fld>
             <a:endParaRPr lang="en-US"/>
           </a:p>
@@ -2378,7 +2383,7 @@
           <a:p>
             <a:fld id="{A17273AD-5A37-43D7-8081-6EE33BE15FD9}" type="datetimeFigureOut">
               <a:rPr lang="en-US" smtClean="0"/>
-              <a:t>1/5/2024</a:t>
+              <a:t>1/9/2024</a:t>
             </a:fld>
             <a:endParaRPr lang="en-US"/>
           </a:p>
@@ -2666,7 +2671,7 @@
           <a:p>
             <a:fld id="{A17273AD-5A37-43D7-8081-6EE33BE15FD9}" type="datetimeFigureOut">
               <a:rPr lang="en-US" smtClean="0"/>
-              <a:t>1/5/2024</a:t>
+              <a:t>1/9/2024</a:t>
             </a:fld>
             <a:endParaRPr lang="en-US"/>
           </a:p>
@@ -2907,7 +2912,7 @@
           <a:p>
             <a:fld id="{A17273AD-5A37-43D7-8081-6EE33BE15FD9}" type="datetimeFigureOut">
               <a:rPr lang="en-US" smtClean="0"/>
-              <a:t>1/5/2024</a:t>
+              <a:t>1/9/2024</a:t>
             </a:fld>
             <a:endParaRPr lang="en-US"/>
           </a:p>
@@ -3562,14 +3567,149 @@
         </p:blipFill>
         <p:spPr>
           <a:xfrm>
-            <a:off x="0" y="778343"/>
-            <a:ext cx="12192000" cy="6079657"/>
+            <a:off x="0" y="1703640"/>
+            <a:ext cx="7939889" cy="3959301"/>
           </a:xfrm>
           <a:prstGeom prst="rect">
             <a:avLst/>
           </a:prstGeom>
         </p:spPr>
       </p:pic>
+      <p:pic>
+        <p:nvPicPr>
+          <p:cNvPr id="7" name="Picture 6">
+            <a:extLst>
+              <a:ext uri="{FF2B5EF4-FFF2-40B4-BE49-F238E27FC236}">
+                <a16:creationId xmlns:a16="http://schemas.microsoft.com/office/drawing/2014/main" id="{0774CA0E-2EE2-D0E6-BFFF-C0EDEFB5F5F2}"/>
+              </a:ext>
+            </a:extLst>
+          </p:cNvPr>
+          <p:cNvPicPr>
+            <a:picLocks noChangeAspect="1"/>
+          </p:cNvPicPr>
+          <p:nvPr/>
+        </p:nvPicPr>
+        <p:blipFill>
+          <a:blip r:embed="rId3"/>
+          <a:stretch>
+            <a:fillRect/>
+          </a:stretch>
+        </p:blipFill>
+        <p:spPr>
+          <a:xfrm>
+            <a:off x="7939889" y="2004419"/>
+            <a:ext cx="4362513" cy="3737985"/>
+          </a:xfrm>
+          <a:prstGeom prst="rect">
+            <a:avLst/>
+          </a:prstGeom>
+        </p:spPr>
+      </p:pic>
+      <p:sp>
+        <p:nvSpPr>
+          <p:cNvPr id="8" name="TextBox 7">
+            <a:extLst>
+              <a:ext uri="{FF2B5EF4-FFF2-40B4-BE49-F238E27FC236}">
+                <a16:creationId xmlns:a16="http://schemas.microsoft.com/office/drawing/2014/main" id="{ECB98777-7437-1686-E09D-5C0BC6A0F628}"/>
+              </a:ext>
+            </a:extLst>
+          </p:cNvPr>
+          <p:cNvSpPr txBox="1"/>
+          <p:nvPr/>
+        </p:nvSpPr>
+        <p:spPr>
+          <a:xfrm>
+            <a:off x="1421394" y="1222048"/>
+            <a:ext cx="583814" cy="369332"/>
+          </a:xfrm>
+          <a:prstGeom prst="rect">
+            <a:avLst/>
+          </a:prstGeom>
+          <a:noFill/>
+        </p:spPr>
+        <p:txBody>
+          <a:bodyPr wrap="none" rtlCol="0">
+            <a:spAutoFit/>
+          </a:bodyPr>
+          <a:lstStyle/>
+          <a:p>
+            <a:r>
+              <a:rPr lang="en-US" dirty="0"/>
+              <a:t>Raw</a:t>
+            </a:r>
+          </a:p>
+        </p:txBody>
+      </p:sp>
+      <p:sp>
+        <p:nvSpPr>
+          <p:cNvPr id="9" name="TextBox 8">
+            <a:extLst>
+              <a:ext uri="{FF2B5EF4-FFF2-40B4-BE49-F238E27FC236}">
+                <a16:creationId xmlns:a16="http://schemas.microsoft.com/office/drawing/2014/main" id="{88986762-858F-BCF7-F216-CF5384196F76}"/>
+              </a:ext>
+            </a:extLst>
+          </p:cNvPr>
+          <p:cNvSpPr txBox="1"/>
+          <p:nvPr/>
+        </p:nvSpPr>
+        <p:spPr>
+          <a:xfrm>
+            <a:off x="5693121" y="1250796"/>
+            <a:ext cx="582211" cy="369332"/>
+          </a:xfrm>
+          <a:prstGeom prst="rect">
+            <a:avLst/>
+          </a:prstGeom>
+          <a:noFill/>
+        </p:spPr>
+        <p:txBody>
+          <a:bodyPr wrap="none" rtlCol="0">
+            <a:spAutoFit/>
+          </a:bodyPr>
+          <a:lstStyle/>
+          <a:p>
+            <a:r>
+              <a:rPr lang="en-US" dirty="0"/>
+              <a:t>N2V</a:t>
+            </a:r>
+          </a:p>
+        </p:txBody>
+      </p:sp>
+      <p:sp>
+        <p:nvSpPr>
+          <p:cNvPr id="10" name="TextBox 9">
+            <a:extLst>
+              <a:ext uri="{FF2B5EF4-FFF2-40B4-BE49-F238E27FC236}">
+                <a16:creationId xmlns:a16="http://schemas.microsoft.com/office/drawing/2014/main" id="{FAA54C6D-0948-8A58-A014-1E7B723CE49B}"/>
+              </a:ext>
+            </a:extLst>
+          </p:cNvPr>
+          <p:cNvSpPr txBox="1"/>
+          <p:nvPr/>
+        </p:nvSpPr>
+        <p:spPr>
+          <a:xfrm>
+            <a:off x="9672139" y="1239834"/>
+            <a:ext cx="1829412" cy="369332"/>
+          </a:xfrm>
+          <a:prstGeom prst="rect">
+            <a:avLst/>
+          </a:prstGeom>
+          <a:noFill/>
+        </p:spPr>
+        <p:txBody>
+          <a:bodyPr wrap="none" rtlCol="0">
+            <a:spAutoFit/>
+          </a:bodyPr>
+          <a:lstStyle/>
+          <a:p>
+            <a:r>
+              <a:rPr lang="en-US" dirty="0"/>
+              <a:t>N2V + Rolling Ball</a:t>
+            </a:r>
+          </a:p>
+        </p:txBody>
+      </p:sp>
     </p:spTree>
     <p:extLst>
       <p:ext uri="{BB962C8B-B14F-4D97-AF65-F5344CB8AC3E}">
